--- a/1. Lectures/Introducción a la Optimización aplicada a Sistemas de Energía Eléctrica/Dia 1/5. Programación Entera mixta.pptx
+++ b/1. Lectures/Introducción a la Optimización aplicada a Sistemas de Energía Eléctrica/Dia 1/5. Programación Entera mixta.pptx
@@ -5,16 +5,17 @@
     <p:sldMasterId id="2147483732" r:id="rId1"/>
   </p:sldMasterIdLst>
   <p:notesMasterIdLst>
-    <p:notesMasterId r:id="rId6"/>
+    <p:notesMasterId r:id="rId7"/>
   </p:notesMasterIdLst>
   <p:handoutMasterIdLst>
-    <p:handoutMasterId r:id="rId7"/>
+    <p:handoutMasterId r:id="rId8"/>
   </p:handoutMasterIdLst>
   <p:sldIdLst>
     <p:sldId id="256" r:id="rId2"/>
     <p:sldId id="426" r:id="rId3"/>
-    <p:sldId id="258" r:id="rId4"/>
-    <p:sldId id="305" r:id="rId5"/>
+    <p:sldId id="427" r:id="rId4"/>
+    <p:sldId id="258" r:id="rId5"/>
+    <p:sldId id="305" r:id="rId6"/>
   </p:sldIdLst>
   <p:sldSz cx="9144000" cy="6858000" type="screen4x3"/>
   <p:notesSz cx="6858000" cy="9144000"/>
@@ -120,6 +121,7 @@
           <p14:sldIdLst>
             <p14:sldId id="256"/>
             <p14:sldId id="426"/>
+            <p14:sldId id="427"/>
             <p14:sldId id="258"/>
             <p14:sldId id="305"/>
           </p14:sldIdLst>
@@ -230,7 +232,7 @@
             <a:fld id="{20597DA6-5F4F-42D3-8A01-E860A9714D40}" type="datetimeFigureOut">
               <a:rPr lang="es-ES" smtClean="0"/>
               <a:pPr/>
-              <a:t>13/03/2019</a:t>
+              <a:t>14/03/2019</a:t>
             </a:fld>
             <a:endParaRPr lang="es-ES"/>
           </a:p>
@@ -401,7 +403,7 @@
             <a:fld id="{D23D6ABD-B407-4DBB-94E4-3909D8A64036}" type="datetimeFigureOut">
               <a:rPr lang="es-ES" smtClean="0"/>
               <a:pPr/>
-              <a:t>13/03/2019</a:t>
+              <a:t>14/03/2019</a:t>
             </a:fld>
             <a:endParaRPr lang="es-ES"/>
           </a:p>
@@ -843,7 +845,7 @@
             <a:fld id="{8AD6E850-6E96-4E89-86F1-2DE46BB95531}" type="slidenum">
               <a:rPr lang="es-ES" smtClean="0"/>
               <a:pPr/>
-              <a:t>3</a:t>
+              <a:t>4</a:t>
             </a:fld>
             <a:endParaRPr lang="es-ES"/>
           </a:p>
@@ -6543,6 +6545,251 @@
       </p:sp>
       <p:sp>
         <p:nvSpPr>
+          <p:cNvPr id="3" name="4 Título"/>
+          <p:cNvSpPr txBox="1">
+            <a:spLocks/>
+          </p:cNvSpPr>
+          <p:nvPr/>
+        </p:nvSpPr>
+        <p:spPr>
+          <a:xfrm>
+            <a:off x="611560" y="188640"/>
+            <a:ext cx="8784976" cy="457120"/>
+          </a:xfrm>
+          <a:prstGeom prst="rect">
+            <a:avLst/>
+          </a:prstGeom>
+        </p:spPr>
+        <p:txBody>
+          <a:bodyPr bIns="91440" anchor="b" anchorCtr="0">
+            <a:noAutofit/>
+          </a:bodyPr>
+          <a:lstStyle>
+            <a:lvl1pPr>
+              <a:spcBef>
+                <a:spcPct val="0"/>
+              </a:spcBef>
+              <a:buNone/>
+              <a:defRPr kumimoji="0" sz="2400">
+                <a:ln w="0"/>
+                <a:solidFill>
+                  <a:schemeClr val="tx2"/>
+                </a:solidFill>
+                <a:effectLst>
+                  <a:outerShdw blurRad="38100" dist="19050" dir="2700000" algn="tl" rotWithShape="0">
+                    <a:schemeClr val="dk1">
+                      <a:alpha val="40000"/>
+                    </a:schemeClr>
+                  </a:outerShdw>
+                </a:effectLst>
+                <a:latin typeface="+mj-lt"/>
+                <a:ea typeface="+mj-ea"/>
+                <a:cs typeface="+mj-cs"/>
+              </a:defRPr>
+            </a:lvl1pPr>
+          </a:lstStyle>
+          <a:p>
+            <a:r>
+              <a:rPr lang="es-PE" altLang="en-US" dirty="0"/>
+              <a:t>Programación entera mixta</a:t>
+            </a:r>
+          </a:p>
+        </p:txBody>
+      </p:sp>
+      <p:sp>
+        <p:nvSpPr>
+          <p:cNvPr id="10" name="CuadroTexto 4">
+            <a:extLst>
+              <a:ext uri="{FF2B5EF4-FFF2-40B4-BE49-F238E27FC236}">
+                <a16:creationId xmlns:a16="http://schemas.microsoft.com/office/drawing/2014/main" id="{0EE2E59A-EFC5-4F7D-8B1B-CDE02E4D869C}"/>
+              </a:ext>
+            </a:extLst>
+          </p:cNvPr>
+          <p:cNvSpPr txBox="1"/>
+          <p:nvPr/>
+        </p:nvSpPr>
+        <p:spPr>
+          <a:xfrm>
+            <a:off x="602191" y="836712"/>
+            <a:ext cx="8362297" cy="3477875"/>
+          </a:xfrm>
+          <a:prstGeom prst="rect">
+            <a:avLst/>
+          </a:prstGeom>
+          <a:noFill/>
+        </p:spPr>
+        <p:txBody>
+          <a:bodyPr wrap="square" rtlCol="0">
+            <a:spAutoFit/>
+          </a:bodyPr>
+          <a:lstStyle/>
+          <a:p>
+            <a:pPr marL="285750" indent="-285750">
+              <a:buFont typeface="Arial" panose="020B0604020202020204" pitchFamily="34" charset="0"/>
+              <a:buChar char="•"/>
+            </a:pPr>
+            <a:r>
+              <a:rPr lang="es-MX" sz="2000" dirty="0"/>
+              <a:t>Método de ramificación y limitación (Branch &amp; </a:t>
+            </a:r>
+            <a:r>
+              <a:rPr lang="es-MX" sz="2000" dirty="0" err="1"/>
+              <a:t>Bound</a:t>
+            </a:r>
+            <a:r>
+              <a:rPr lang="es-MX" sz="2000" dirty="0"/>
+              <a:t>).</a:t>
+            </a:r>
+          </a:p>
+          <a:p>
+            <a:pPr marL="742950" lvl="1" indent="-285750">
+              <a:buFont typeface="Arial" panose="020B0604020202020204" pitchFamily="34" charset="0"/>
+              <a:buChar char="•"/>
+            </a:pPr>
+            <a:r>
+              <a:rPr lang="es-MX" sz="2000" dirty="0"/>
+              <a:t>Es un método de resolución que se basa en la idea de desenvolver una enumeración implícita inteligente de los puntos candidatos a </a:t>
+            </a:r>
+          </a:p>
+          <a:p>
+            <a:pPr marL="285750" indent="-285750">
+              <a:buFont typeface="Arial" panose="020B0604020202020204" pitchFamily="34" charset="0"/>
+              <a:buChar char="•"/>
+            </a:pPr>
+            <a:r>
+              <a:rPr lang="es-MX" sz="2000" dirty="0"/>
+              <a:t>Método de ramificación y corte (Branch &amp; </a:t>
+            </a:r>
+            <a:r>
+              <a:rPr lang="es-MX" sz="2000" dirty="0" err="1"/>
+              <a:t>Cut</a:t>
+            </a:r>
+            <a:r>
+              <a:rPr lang="es-MX" sz="2000" dirty="0"/>
+              <a:t>)</a:t>
+            </a:r>
+          </a:p>
+          <a:p>
+            <a:pPr marL="285750" indent="-285750">
+              <a:buFont typeface="Arial" panose="020B0604020202020204" pitchFamily="34" charset="0"/>
+              <a:buChar char="•"/>
+            </a:pPr>
+            <a:r>
+              <a:rPr lang="es-MX" sz="2000" dirty="0"/>
+              <a:t>Método de planos de cortes</a:t>
+            </a:r>
+          </a:p>
+          <a:p>
+            <a:pPr marL="285750" indent="-285750">
+              <a:buFont typeface="Arial" panose="020B0604020202020204" pitchFamily="34" charset="0"/>
+              <a:buChar char="•"/>
+            </a:pPr>
+            <a:r>
+              <a:rPr lang="es-MX" sz="2000" dirty="0"/>
+              <a:t>Métodos de descomposición</a:t>
+            </a:r>
+          </a:p>
+          <a:p>
+            <a:pPr marL="285750" indent="-285750">
+              <a:buFont typeface="Arial" panose="020B0604020202020204" pitchFamily="34" charset="0"/>
+              <a:buChar char="•"/>
+            </a:pPr>
+            <a:r>
+              <a:rPr lang="es-MX" sz="2000" dirty="0"/>
+              <a:t>Método de enumeración implícita</a:t>
+            </a:r>
+          </a:p>
+          <a:p>
+            <a:pPr marL="285750" indent="-285750">
+              <a:buFont typeface="Arial" panose="020B0604020202020204" pitchFamily="34" charset="0"/>
+              <a:buChar char="•"/>
+            </a:pPr>
+            <a:r>
+              <a:rPr lang="es-MX" sz="2000" dirty="0"/>
+              <a:t>Problema no convexo, pueden ser transformados en problemas convexos a través de métodos de relajación</a:t>
+            </a:r>
+          </a:p>
+          <a:p>
+            <a:pPr marL="285750" indent="-285750">
+              <a:buFont typeface="Arial" panose="020B0604020202020204" pitchFamily="34" charset="0"/>
+              <a:buChar char="•"/>
+            </a:pPr>
+            <a:r>
+              <a:rPr lang="es-MX" sz="2000" dirty="0"/>
+              <a:t>Todos los métodos encuentran una solución óptima o global</a:t>
+            </a:r>
+          </a:p>
+          <a:p>
+            <a:pPr marL="285750" indent="-285750">
+              <a:buFont typeface="Arial" panose="020B0604020202020204" pitchFamily="34" charset="0"/>
+              <a:buChar char="•"/>
+            </a:pPr>
+            <a:r>
+              <a:rPr lang="es-MX" sz="2000" dirty="0"/>
+              <a:t>No tiene problemas de convergencia, tiempo de procesamiento elevados</a:t>
+            </a:r>
+          </a:p>
+        </p:txBody>
+      </p:sp>
+    </p:spTree>
+    <p:extLst>
+      <p:ext uri="{BB962C8B-B14F-4D97-AF65-F5344CB8AC3E}">
+        <p14:creationId xmlns:p14="http://schemas.microsoft.com/office/powerpoint/2010/main" val="1213296915"/>
+      </p:ext>
+    </p:extLst>
+  </p:cSld>
+  <p:clrMapOvr>
+    <a:masterClrMapping/>
+  </p:clrMapOvr>
+  <p:transition spd="slow">
+    <p:fade/>
+  </p:transition>
+</p:sld>
+</file>
+
+<file path=ppt/slides/slide4.xml><?xml version="1.0" encoding="utf-8"?>
+<p:sld xmlns:a="http://schemas.openxmlformats.org/drawingml/2006/main" xmlns:r="http://schemas.openxmlformats.org/officeDocument/2006/relationships" xmlns:p="http://schemas.openxmlformats.org/presentationml/2006/main">
+  <p:cSld>
+    <p:spTree>
+      <p:nvGrpSpPr>
+        <p:cNvPr id="1" name=""/>
+        <p:cNvGrpSpPr/>
+        <p:nvPr/>
+      </p:nvGrpSpPr>
+      <p:grpSpPr>
+        <a:xfrm>
+          <a:off x="0" y="0"/>
+          <a:ext cx="0" cy="0"/>
+          <a:chOff x="0" y="0"/>
+          <a:chExt cx="0" cy="0"/>
+        </a:xfrm>
+      </p:grpSpPr>
+      <p:sp>
+        <p:nvSpPr>
+          <p:cNvPr id="2" name="Marcador de número de diapositiva 1"/>
+          <p:cNvSpPr>
+            <a:spLocks noGrp="1"/>
+          </p:cNvSpPr>
+          <p:nvPr>
+            <p:ph type="sldNum" sz="quarter" idx="12"/>
+          </p:nvPr>
+        </p:nvSpPr>
+        <p:spPr/>
+        <p:txBody>
+          <a:bodyPr/>
+          <a:lstStyle/>
+          <a:p>
+            <a:fld id="{64BD7E74-CBD2-4D88-9109-2EA8081AE675}" type="slidenum">
+              <a:rPr lang="es-ES" smtClean="0"/>
+              <a:pPr/>
+              <a:t>4</a:t>
+            </a:fld>
+            <a:endParaRPr lang="es-ES"/>
+          </a:p>
+        </p:txBody>
+      </p:sp>
+      <p:sp>
+        <p:nvSpPr>
           <p:cNvPr id="6" name="Rectangle 3"/>
           <p:cNvSpPr/>
           <p:nvPr/>
@@ -6976,7 +7223,7 @@
 </p:sld>
 </file>
 
-<file path=ppt/slides/slide4.xml><?xml version="1.0" encoding="utf-8"?>
+<file path=ppt/slides/slide5.xml><?xml version="1.0" encoding="utf-8"?>
 <p:sld xmlns:a="http://schemas.openxmlformats.org/drawingml/2006/main" xmlns:r="http://schemas.openxmlformats.org/officeDocument/2006/relationships" xmlns:p="http://schemas.openxmlformats.org/presentationml/2006/main">
   <p:cSld>
     <p:spTree>
@@ -7011,7 +7258,7 @@
             <a:fld id="{64BD7E74-CBD2-4D88-9109-2EA8081AE675}" type="slidenum">
               <a:rPr lang="es-ES" smtClean="0"/>
               <a:pPr/>
-              <a:t>4</a:t>
+              <a:t>5</a:t>
             </a:fld>
             <a:endParaRPr lang="es-ES"/>
           </a:p>

--- a/1. Lectures/Introducción a la Optimización aplicada a Sistemas de Energía Eléctrica/Dia 1/5. Programación Entera mixta.pptx
+++ b/1. Lectures/Introducción a la Optimización aplicada a Sistemas de Energía Eléctrica/Dia 1/5. Programación Entera mixta.pptx
@@ -299,7 +299,7 @@
             <a:fld id="{27A565BD-2940-4473-877F-C1308FF5E531}" type="slidenum">
               <a:rPr lang="es-ES" smtClean="0"/>
               <a:pPr/>
-              <a:t>‹#›</a:t>
+              <a:t>‹Nº›</a:t>
             </a:fld>
             <a:endParaRPr lang="es-ES"/>
           </a:p>
@@ -562,7 +562,7 @@
             <a:fld id="{8AD6E850-6E96-4E89-86F1-2DE46BB95531}" type="slidenum">
               <a:rPr lang="es-ES" smtClean="0"/>
               <a:pPr/>
-              <a:t>‹#›</a:t>
+              <a:t>‹Nº›</a:t>
             </a:fld>
             <a:endParaRPr lang="es-ES"/>
           </a:p>
@@ -1091,7 +1091,7 @@
             <a:fld id="{64BD7E74-CBD2-4D88-9109-2EA8081AE675}" type="slidenum">
               <a:rPr lang="es-ES" smtClean="0"/>
               <a:pPr/>
-              <a:t>‹#›</a:t>
+              <a:t>‹Nº›</a:t>
             </a:fld>
             <a:endParaRPr lang="es-ES"/>
           </a:p>
@@ -1521,7 +1521,7 @@
             <a:fld id="{64BD7E74-CBD2-4D88-9109-2EA8081AE675}" type="slidenum">
               <a:rPr lang="es-ES" smtClean="0"/>
               <a:pPr/>
-              <a:t>‹#›</a:t>
+              <a:t>‹Nº›</a:t>
             </a:fld>
             <a:endParaRPr lang="es-ES"/>
           </a:p>
@@ -1712,7 +1712,7 @@
             <a:fld id="{64BD7E74-CBD2-4D88-9109-2EA8081AE675}" type="slidenum">
               <a:rPr lang="es-ES" smtClean="0"/>
               <a:pPr/>
-              <a:t>‹#›</a:t>
+              <a:t>‹Nº›</a:t>
             </a:fld>
             <a:endParaRPr lang="es-ES"/>
           </a:p>
@@ -1850,7 +1850,7 @@
             <a:fld id="{64BD7E74-CBD2-4D88-9109-2EA8081AE675}" type="slidenum">
               <a:rPr lang="es-ES" smtClean="0"/>
               <a:pPr/>
-              <a:t>‹#›</a:t>
+              <a:t>‹Nº›</a:t>
             </a:fld>
             <a:endParaRPr lang="es-ES"/>
           </a:p>
@@ -2371,7 +2371,7 @@
             <a:fld id="{64BD7E74-CBD2-4D88-9109-2EA8081AE675}" type="slidenum">
               <a:rPr lang="es-ES" smtClean="0"/>
               <a:pPr/>
-              <a:t>‹#›</a:t>
+              <a:t>‹Nº›</a:t>
             </a:fld>
             <a:endParaRPr lang="es-ES"/>
           </a:p>
@@ -2500,7 +2500,7 @@
             <a:fld id="{64BD7E74-CBD2-4D88-9109-2EA8081AE675}" type="slidenum">
               <a:rPr lang="es-ES" smtClean="0"/>
               <a:pPr/>
-              <a:t>‹#›</a:t>
+              <a:t>‹Nº›</a:t>
             </a:fld>
             <a:endParaRPr lang="es-ES"/>
           </a:p>
@@ -2878,7 +2878,7 @@
             <a:fld id="{64BD7E74-CBD2-4D88-9109-2EA8081AE675}" type="slidenum">
               <a:rPr lang="es-ES" smtClean="0"/>
               <a:pPr/>
-              <a:t>‹#›</a:t>
+              <a:t>‹Nº›</a:t>
             </a:fld>
             <a:endParaRPr lang="es-ES"/>
           </a:p>
@@ -3131,7 +3131,7 @@
             <a:fld id="{64BD7E74-CBD2-4D88-9109-2EA8081AE675}" type="slidenum">
               <a:rPr lang="es-ES" smtClean="0"/>
               <a:pPr/>
-              <a:t>‹#›</a:t>
+              <a:t>‹Nº›</a:t>
             </a:fld>
             <a:endParaRPr lang="es-ES"/>
           </a:p>
@@ -3267,7 +3267,7 @@
             <a:fld id="{64BD7E74-CBD2-4D88-9109-2EA8081AE675}" type="slidenum">
               <a:rPr lang="es-ES" smtClean="0"/>
               <a:pPr/>
-              <a:t>‹#›</a:t>
+              <a:t>‹Nº›</a:t>
             </a:fld>
             <a:endParaRPr lang="es-ES"/>
           </a:p>
@@ -3550,7 +3550,7 @@
             <a:fld id="{64BD7E74-CBD2-4D88-9109-2EA8081AE675}" type="slidenum">
               <a:rPr lang="es-ES" smtClean="0"/>
               <a:pPr/>
-              <a:t>‹#›</a:t>
+              <a:t>‹Nº›</a:t>
             </a:fld>
             <a:endParaRPr lang="es-ES"/>
           </a:p>
@@ -3799,7 +3799,7 @@
             <a:fld id="{64BD7E74-CBD2-4D88-9109-2EA8081AE675}" type="slidenum">
               <a:rPr lang="es-ES" smtClean="0"/>
               <a:pPr/>
-              <a:t>‹#›</a:t>
+              <a:t>‹Nº›</a:t>
             </a:fld>
             <a:endParaRPr lang="es-ES"/>
           </a:p>
@@ -4271,7 +4271,7 @@
             <a:fld id="{64BD7E74-CBD2-4D88-9109-2EA8081AE675}" type="slidenum">
               <a:rPr lang="es-ES" smtClean="0"/>
               <a:pPr/>
-              <a:t>‹#›</a:t>
+              <a:t>‹Nº›</a:t>
             </a:fld>
             <a:endParaRPr lang="es-ES" dirty="0"/>
           </a:p>
@@ -4782,25 +4782,7 @@
                 </a:solidFill>
                 <a:latin typeface="Bookman Old Style" panose="02050604050505020204" pitchFamily="18" charset="0"/>
               </a:rPr>
-              <a:t>Introducción</a:t>
-            </a:r>
-            <a:r>
-              <a:rPr lang="en-US" sz="2400" kern="1400" cap="small" dirty="0">
-                <a:solidFill>
-                  <a:schemeClr val="bg1"/>
-                </a:solidFill>
-                <a:latin typeface="Bookman Old Style" panose="02050604050505020204" pitchFamily="18" charset="0"/>
-              </a:rPr>
-              <a:t> a la </a:t>
-            </a:r>
-            <a:r>
-              <a:rPr lang="en-US" sz="2400" kern="1400" cap="small" dirty="0" err="1">
-                <a:solidFill>
-                  <a:schemeClr val="bg1"/>
-                </a:solidFill>
-                <a:latin typeface="Bookman Old Style" panose="02050604050505020204" pitchFamily="18" charset="0"/>
-              </a:rPr>
-              <a:t>Optimización</a:t>
+              <a:t>Programación</a:t>
             </a:r>
             <a:r>
               <a:rPr lang="en-US" sz="2400" kern="1400" cap="small" dirty="0">
@@ -4811,14 +4793,6 @@
               </a:rPr>
               <a:t> </a:t>
             </a:r>
-            <a:br>
-              <a:rPr lang="en-US" sz="2400" kern="1400" cap="small" dirty="0">
-                <a:solidFill>
-                  <a:schemeClr val="bg1"/>
-                </a:solidFill>
-                <a:latin typeface="Bookman Old Style" panose="02050604050505020204" pitchFamily="18" charset="0"/>
-              </a:rPr>
-            </a:br>
             <a:r>
               <a:rPr lang="en-US" sz="2400" kern="1400" cap="small" dirty="0" err="1">
                 <a:solidFill>
@@ -4826,7 +4800,7 @@
                 </a:solidFill>
                 <a:latin typeface="Bookman Old Style" panose="02050604050505020204" pitchFamily="18" charset="0"/>
               </a:rPr>
-              <a:t>en</a:t>
+              <a:t>Entera</a:t>
             </a:r>
             <a:r>
               <a:rPr lang="en-US" sz="2400" kern="1400" cap="small" dirty="0">
@@ -4844,43 +4818,7 @@
                 </a:solidFill>
                 <a:latin typeface="Bookman Old Style" panose="02050604050505020204" pitchFamily="18" charset="0"/>
               </a:rPr>
-              <a:t>Sistemas</a:t>
-            </a:r>
-            <a:r>
-              <a:rPr lang="en-US" sz="2400" kern="1400" cap="small" dirty="0">
-                <a:solidFill>
-                  <a:schemeClr val="bg1"/>
-                </a:solidFill>
-                <a:latin typeface="Bookman Old Style" panose="02050604050505020204" pitchFamily="18" charset="0"/>
-              </a:rPr>
-              <a:t> </a:t>
-            </a:r>
-            <a:r>
-              <a:rPr lang="en-US" sz="2400" kern="1400" cap="small" dirty="0" err="1">
-                <a:solidFill>
-                  <a:schemeClr val="bg1"/>
-                </a:solidFill>
-                <a:latin typeface="Bookman Old Style" panose="02050604050505020204" pitchFamily="18" charset="0"/>
-              </a:rPr>
-              <a:t>Eléctricos</a:t>
-            </a:r>
-            <a:r>
-              <a:rPr lang="en-US" sz="2400" kern="1400" cap="small" dirty="0">
-                <a:solidFill>
-                  <a:schemeClr val="bg1"/>
-                </a:solidFill>
-                <a:latin typeface="Bookman Old Style" panose="02050604050505020204" pitchFamily="18" charset="0"/>
-              </a:rPr>
-              <a:t> de </a:t>
-            </a:r>
-            <a:r>
-              <a:rPr lang="en-US" sz="2400" kern="1400" cap="small" dirty="0" err="1">
-                <a:solidFill>
-                  <a:schemeClr val="bg1"/>
-                </a:solidFill>
-                <a:latin typeface="Bookman Old Style" panose="02050604050505020204" pitchFamily="18" charset="0"/>
-              </a:rPr>
-              <a:t>Potencia</a:t>
+              <a:t>Mixta</a:t>
             </a:r>
             <a:endParaRPr lang="es-ES" sz="2400" cap="small" dirty="0">
               <a:solidFill>
@@ -5104,8 +5042,8 @@
         </p:nvSpPr>
         <p:spPr>
           <a:xfrm>
-            <a:off x="3383691" y="355303"/>
-            <a:ext cx="2521844" cy="769441"/>
+            <a:off x="3775625" y="355303"/>
+            <a:ext cx="1737976" cy="769441"/>
           </a:xfrm>
           <a:prstGeom prst="rect">
             <a:avLst/>
@@ -5119,11 +5057,14 @@
           <a:lstStyle/>
           <a:p>
             <a:r>
-              <a:rPr lang="en-US" sz="4400" dirty="0">
+              <a:rPr lang="en-US" sz="4400" dirty="0" err="1">
                 <a:latin typeface="Old English Text MT" panose="03040902040508030806" pitchFamily="66" charset="0"/>
               </a:rPr>
-              <a:t>Workshop</a:t>
-            </a:r>
+              <a:t>Tópico</a:t>
+            </a:r>
+            <a:endParaRPr lang="en-US" sz="4400" dirty="0">
+              <a:latin typeface="Old English Text MT" panose="03040902040508030806" pitchFamily="66" charset="0"/>
+            </a:endParaRPr>
           </a:p>
         </p:txBody>
       </p:sp>
